--- a/Git y GitHub 2.-Fundamentos de Git.pptx
+++ b/Git y GitHub 2.-Fundamentos de Git.pptx
@@ -241,7 +241,7 @@
           <a:p>
             <a:fld id="{E574AC39-44E6-425E-AF49-CF7D189F346F}" type="datetimeFigureOut">
               <a:rPr lang="en-US" smtClean="0"/>
-              <a:t>12/11/2016</a:t>
+              <a:t>3/11/2017</a:t>
             </a:fld>
             <a:endParaRPr lang="en-US"/>
           </a:p>
@@ -406,7 +406,7 @@
           <a:p>
             <a:fld id="{DF2775BC-6312-42C7-B7C5-EA6783C2D9CA}" type="datetimeFigureOut">
               <a:rPr lang="en-US" smtClean="0"/>
-              <a:t>12/11/2016</a:t>
+              <a:t>3/11/2017</a:t>
             </a:fld>
             <a:endParaRPr lang="en-US"/>
           </a:p>
@@ -856,7 +856,7 @@
           <a:p>
             <a:fld id="{40FF0622-75E4-48B8-A617-5428CA5926CE}" type="datetimeFigureOut">
               <a:rPr lang="en-US" smtClean="0"/>
-              <a:t>12/11/2016</a:t>
+              <a:t>3/11/2017</a:t>
             </a:fld>
             <a:endParaRPr lang="en-US"/>
           </a:p>
@@ -1131,7 +1131,7 @@
           <a:p>
             <a:fld id="{40FF0622-75E4-48B8-A617-5428CA5926CE}" type="datetimeFigureOut">
               <a:rPr lang="en-US" smtClean="0"/>
-              <a:t>12/11/2016</a:t>
+              <a:t>3/11/2017</a:t>
             </a:fld>
             <a:endParaRPr lang="en-US"/>
           </a:p>
@@ -1258,7 +1258,7 @@
           <a:p>
             <a:fld id="{40FF0622-75E4-48B8-A617-5428CA5926CE}" type="datetimeFigureOut">
               <a:rPr lang="en-US" smtClean="0"/>
-              <a:t>12/11/2016</a:t>
+              <a:t>3/11/2017</a:t>
             </a:fld>
             <a:endParaRPr lang="en-US"/>
           </a:p>
@@ -1452,7 +1452,7 @@
           <a:p>
             <a:fld id="{40FF0622-75E4-48B8-A617-5428CA5926CE}" type="datetimeFigureOut">
               <a:rPr lang="en-US" smtClean="0"/>
-              <a:t>12/11/2016</a:t>
+              <a:t>3/11/2017</a:t>
             </a:fld>
             <a:endParaRPr lang="en-US"/>
           </a:p>
@@ -1937,7 +1937,7 @@
           <a:p>
             <a:fld id="{40FF0622-75E4-48B8-A617-5428CA5926CE}" type="datetimeFigureOut">
               <a:rPr lang="en-US" smtClean="0"/>
-              <a:t>12/11/2016</a:t>
+              <a:t>3/11/2017</a:t>
             </a:fld>
             <a:endParaRPr lang="en-US"/>
           </a:p>
@@ -2064,7 +2064,7 @@
           <a:p>
             <a:fld id="{40FF0622-75E4-48B8-A617-5428CA5926CE}" type="datetimeFigureOut">
               <a:rPr lang="en-US" smtClean="0"/>
-              <a:t>12/11/2016</a:t>
+              <a:t>3/11/2017</a:t>
             </a:fld>
             <a:endParaRPr lang="en-US"/>
           </a:p>
@@ -2365,7 +2365,7 @@
           <a:p>
             <a:fld id="{40FF0622-75E4-48B8-A617-5428CA5926CE}" type="datetimeFigureOut">
               <a:rPr lang="en-US" smtClean="0"/>
-              <a:t>12/11/2016</a:t>
+              <a:t>3/11/2017</a:t>
             </a:fld>
             <a:endParaRPr lang="en-US"/>
           </a:p>
@@ -3116,7 +3116,7 @@
           <a:p>
             <a:fld id="{40FF0622-75E4-48B8-A617-5428CA5926CE}" type="datetimeFigureOut">
               <a:rPr lang="en-US" smtClean="0"/>
-              <a:t>12/11/2016</a:t>
+              <a:t>3/11/2017</a:t>
             </a:fld>
             <a:endParaRPr lang="en-US"/>
           </a:p>
@@ -3963,7 +3963,7 @@
           <a:p>
             <a:fld id="{40FF0622-75E4-48B8-A617-5428CA5926CE}" type="datetimeFigureOut">
               <a:rPr lang="en-US" smtClean="0"/>
-              <a:t>12/11/2016</a:t>
+              <a:t>3/11/2017</a:t>
             </a:fld>
             <a:endParaRPr lang="en-US"/>
           </a:p>
@@ -4137,7 +4137,7 @@
           <a:p>
             <a:fld id="{40FF0622-75E4-48B8-A617-5428CA5926CE}" type="datetimeFigureOut">
               <a:rPr lang="en-US" smtClean="0"/>
-              <a:t>12/11/2016</a:t>
+              <a:t>3/11/2017</a:t>
             </a:fld>
             <a:endParaRPr lang="en-US"/>
           </a:p>
@@ -4321,7 +4321,7 @@
           <a:p>
             <a:fld id="{40FF0622-75E4-48B8-A617-5428CA5926CE}" type="datetimeFigureOut">
               <a:rPr lang="en-US" smtClean="0"/>
-              <a:t>12/11/2016</a:t>
+              <a:t>3/11/2017</a:t>
             </a:fld>
             <a:endParaRPr lang="en-US"/>
           </a:p>
@@ -4487,7 +4487,7 @@
           <a:p>
             <a:fld id="{40FF0622-75E4-48B8-A617-5428CA5926CE}" type="datetimeFigureOut">
               <a:rPr lang="en-US" smtClean="0"/>
-              <a:t>12/11/2016</a:t>
+              <a:t>3/11/2017</a:t>
             </a:fld>
             <a:endParaRPr lang="en-US"/>
           </a:p>
@@ -4755,7 +4755,7 @@
           <a:p>
             <a:fld id="{40FF0622-75E4-48B8-A617-5428CA5926CE}" type="datetimeFigureOut">
               <a:rPr lang="en-US" smtClean="0"/>
-              <a:t>12/11/2016</a:t>
+              <a:t>3/11/2017</a:t>
             </a:fld>
             <a:endParaRPr lang="en-US"/>
           </a:p>
@@ -5047,7 +5047,7 @@
           <a:p>
             <a:fld id="{40FF0622-75E4-48B8-A617-5428CA5926CE}" type="datetimeFigureOut">
               <a:rPr lang="en-US" smtClean="0"/>
-              <a:t>12/11/2016</a:t>
+              <a:t>3/11/2017</a:t>
             </a:fld>
             <a:endParaRPr lang="en-US"/>
           </a:p>
@@ -5485,7 +5485,7 @@
           <a:p>
             <a:fld id="{40FF0622-75E4-48B8-A617-5428CA5926CE}" type="datetimeFigureOut">
               <a:rPr lang="en-US" smtClean="0"/>
-              <a:t>12/11/2016</a:t>
+              <a:t>3/11/2017</a:t>
             </a:fld>
             <a:endParaRPr lang="en-US"/>
           </a:p>
@@ -5603,7 +5603,7 @@
           <a:p>
             <a:fld id="{40FF0622-75E4-48B8-A617-5428CA5926CE}" type="datetimeFigureOut">
               <a:rPr lang="en-US" smtClean="0"/>
-              <a:t>12/11/2016</a:t>
+              <a:t>3/11/2017</a:t>
             </a:fld>
             <a:endParaRPr lang="en-US"/>
           </a:p>
@@ -5698,7 +5698,7 @@
           <a:p>
             <a:fld id="{40FF0622-75E4-48B8-A617-5428CA5926CE}" type="datetimeFigureOut">
               <a:rPr lang="en-US" smtClean="0"/>
-              <a:t>12/11/2016</a:t>
+              <a:t>3/11/2017</a:t>
             </a:fld>
             <a:endParaRPr lang="en-US"/>
           </a:p>
@@ -5973,7 +5973,7 @@
           <a:p>
             <a:fld id="{40FF0622-75E4-48B8-A617-5428CA5926CE}" type="datetimeFigureOut">
               <a:rPr lang="en-US" smtClean="0"/>
-              <a:t>12/11/2016</a:t>
+              <a:t>3/11/2017</a:t>
             </a:fld>
             <a:endParaRPr lang="en-US"/>
           </a:p>
@@ -6248,7 +6248,7 @@
           <a:p>
             <a:fld id="{40FF0622-75E4-48B8-A617-5428CA5926CE}" type="datetimeFigureOut">
               <a:rPr lang="en-US" smtClean="0"/>
-              <a:t>12/11/2016</a:t>
+              <a:t>3/11/2017</a:t>
             </a:fld>
             <a:endParaRPr lang="en-US"/>
           </a:p>
@@ -6861,7 +6861,7 @@
           <a:p>
             <a:fld id="{40FF0622-75E4-48B8-A617-5428CA5926CE}" type="datetimeFigureOut">
               <a:rPr lang="en-US" smtClean="0"/>
-              <a:t>12/11/2016</a:t>
+              <a:t>3/11/2017</a:t>
             </a:fld>
             <a:endParaRPr lang="en-US"/>
           </a:p>
@@ -7480,6 +7480,13 @@
   <p:clrMapOvr>
     <a:masterClrMapping/>
   </p:clrMapOvr>
+  <p:timing>
+    <p:tnLst>
+      <p:par>
+        <p:cTn id="1" dur="indefinite" restart="never" nodeType="tmRoot"/>
+      </p:par>
+    </p:tnLst>
+  </p:timing>
 </p:sld>
 </file>
 
@@ -7932,7 +7939,6 @@
               <a:rPr lang="es-ES" dirty="0"/>
               <a:t>2.3 El histórico de confirmaciones</a:t>
             </a:r>
-            <a:endParaRPr lang="es-ES" dirty="0"/>
           </a:p>
         </p:txBody>
       </p:sp>
@@ -8364,7 +8370,6 @@
               <a:rPr lang="es-ES" dirty="0"/>
               <a:t>2.3 El histórico de confirmaciones</a:t>
             </a:r>
-            <a:endParaRPr lang="es-ES" dirty="0"/>
           </a:p>
         </p:txBody>
       </p:sp>
@@ -8433,7 +8438,6 @@
               <a:rPr lang="es-ES" dirty="0"/>
               <a:t>el mensaje de confirmación.</a:t>
             </a:r>
-            <a:endParaRPr lang="es-ES" dirty="0"/>
           </a:p>
         </p:txBody>
       </p:sp>
@@ -8486,7 +8490,6 @@
               <a:rPr lang="es-ES" dirty="0"/>
               <a:t>2.3 El histórico de confirmaciones</a:t>
             </a:r>
-            <a:endParaRPr lang="es-ES" dirty="0"/>
           </a:p>
         </p:txBody>
       </p:sp>
@@ -8688,7 +8691,6 @@
               <a:rPr lang="es-ES" dirty="0"/>
               <a:t>2.3 El histórico de confirmaciones</a:t>
             </a:r>
-            <a:endParaRPr lang="es-ES" dirty="0"/>
           </a:p>
         </p:txBody>
       </p:sp>
@@ -9556,7 +9558,6 @@
               <a:rPr lang="es-ES" dirty="0"/>
               <a:t>2.3 El histórico de confirmaciones</a:t>
             </a:r>
-            <a:endParaRPr lang="es-ES" dirty="0"/>
           </a:p>
         </p:txBody>
       </p:sp>
@@ -10383,12 +10384,6 @@
               </a:rPr>
               <a:t> local</a:t>
             </a:r>
-            <a:endParaRPr lang="es-ES" dirty="0">
-              <a:solidFill>
-                <a:srgbClr val="FFFF00"/>
-              </a:solidFill>
-              <a:latin typeface="Consolas" panose="020B0609020204030204" pitchFamily="49" charset="0"/>
-            </a:endParaRPr>
           </a:p>
         </p:txBody>
       </p:sp>
@@ -10441,7 +10436,6 @@
               <a:rPr lang="es-ES" dirty="0"/>
               <a:t>2.3 El histórico de confirmaciones</a:t>
             </a:r>
-            <a:endParaRPr lang="es-ES" dirty="0"/>
           </a:p>
         </p:txBody>
       </p:sp>
@@ -10479,7 +10473,6 @@
               <a:rPr lang="es-ES" dirty="0"/>
               <a:t> log —existen muchas más. </a:t>
             </a:r>
-            <a:endParaRPr lang="es-ES" dirty="0"/>
           </a:p>
         </p:txBody>
       </p:sp>
@@ -11183,7 +11176,6 @@
               <a:rPr lang="es-ES" dirty="0"/>
               <a:t>2.3 El histórico de confirmaciones</a:t>
             </a:r>
-            <a:endParaRPr lang="es-ES" dirty="0"/>
           </a:p>
         </p:txBody>
       </p:sp>
@@ -11849,6 +11841,10 @@
               <a:rPr lang="es-ES" dirty="0" err="1"/>
               <a:t>Git</a:t>
             </a:r>
+            <a:r>
+              <a:rPr lang="es-ES" dirty="0"/>
+              <a:t/>
+            </a:r>
             <a:br>
               <a:rPr lang="es-ES" dirty="0"/>
             </a:br>
@@ -12179,6 +12175,13 @@
   <p:clrMapOvr>
     <a:masterClrMapping/>
   </p:clrMapOvr>
+  <p:timing>
+    <p:tnLst>
+      <p:par>
+        <p:cTn id="1" dur="indefinite" restart="never" nodeType="tmRoot"/>
+      </p:par>
+    </p:tnLst>
+  </p:timing>
 </p:sld>
 </file>
 
@@ -12874,7 +12877,6 @@
               <a:rPr lang="es-ES" dirty="0"/>
               <a:t>2.4 Deshaciendo cosas</a:t>
             </a:r>
-            <a:endParaRPr lang="es-ES" dirty="0"/>
           </a:p>
         </p:txBody>
       </p:sp>
@@ -13310,7 +13312,6 @@
               <a:rPr lang="es-ES" dirty="0"/>
               <a:t>2.5 Trabajo con repositorios remotos</a:t>
             </a:r>
-            <a:endParaRPr lang="es-ES" dirty="0"/>
           </a:p>
         </p:txBody>
       </p:sp>
@@ -13900,7 +13901,6 @@
               <a:rPr lang="es-ES" dirty="0"/>
               <a:t>2.5 Trabajo con repositorios remotos</a:t>
             </a:r>
-            <a:endParaRPr lang="es-ES" dirty="0"/>
           </a:p>
         </p:txBody>
       </p:sp>
@@ -14223,7 +14223,6 @@
               <a:rPr lang="es-ES" dirty="0"/>
               <a:t>2.5 Trabajo con repositorios remotos</a:t>
             </a:r>
-            <a:endParaRPr lang="es-ES" dirty="0"/>
           </a:p>
         </p:txBody>
       </p:sp>
@@ -14572,11 +14571,6 @@
               </a:rPr>
               <a:t>  git://github.com/paulboone/ticgit.git</a:t>
             </a:r>
-            <a:endParaRPr lang="es-ES" dirty="0">
-              <a:solidFill>
-                <a:srgbClr val="FFFF00"/>
-              </a:solidFill>
-            </a:endParaRPr>
           </a:p>
         </p:txBody>
       </p:sp>
@@ -14634,7 +14628,6 @@
               <a:rPr lang="es-ES" dirty="0"/>
               <a:t>2.5 Trabajo con repositorios remotos</a:t>
             </a:r>
-            <a:endParaRPr lang="es-ES" dirty="0"/>
           </a:p>
         </p:txBody>
       </p:sp>
@@ -15167,7 +15160,6 @@
               <a:rPr lang="es-ES" dirty="0"/>
               <a:t>2.5 Trabajo con repositorios remotos</a:t>
             </a:r>
-            <a:endParaRPr lang="es-ES" dirty="0"/>
           </a:p>
         </p:txBody>
       </p:sp>
@@ -15338,9 +15330,6 @@
               </a:rPr>
               <a:t>Recupera y une automáticamente la rama remota con tu rama actual</a:t>
             </a:r>
-            <a:endParaRPr lang="es-ES" dirty="0">
-              <a:latin typeface="+mn-lt"/>
-            </a:endParaRPr>
           </a:p>
         </p:txBody>
       </p:sp>
@@ -15422,7 +15411,6 @@
               <a:rPr lang="es-ES" dirty="0"/>
               <a:t>2.5 Trabajo con repositorios remotos</a:t>
             </a:r>
-            <a:endParaRPr lang="es-ES" dirty="0"/>
           </a:p>
         </p:txBody>
       </p:sp>
@@ -15546,7 +15534,6 @@
               <a:rPr lang="es-ES"/>
               <a:t>Véase el Capítulo 3 para ver en detalle cómo enviar a servidores remotos.</a:t>
             </a:r>
-            <a:endParaRPr lang="es-ES"/>
           </a:p>
         </p:txBody>
       </p:sp>
@@ -15709,6 +15696,13 @@
   <p:clrMapOvr>
     <a:masterClrMapping/>
   </p:clrMapOvr>
+  <p:timing>
+    <p:tnLst>
+      <p:par>
+        <p:cTn id="1" dur="indefinite" restart="never" nodeType="tmRoot"/>
+      </p:par>
+    </p:tnLst>
+  </p:timing>
 </p:sld>
 </file>
 
@@ -15836,19 +15830,19 @@
             <a:pPr lvl="1"/>
             <a:r>
               <a:rPr lang="en-US" dirty="0">
-                <a:latin typeface="+mn-lt"/>
+                <a:latin typeface="Consolas" panose="020B0609020204030204" pitchFamily="49" charset="0"/>
               </a:rPr>
               <a:t>$ </a:t>
             </a:r>
             <a:r>
               <a:rPr lang="en-US" dirty="0" err="1">
-                <a:latin typeface="+mn-lt"/>
+                <a:latin typeface="Consolas" panose="020B0609020204030204" pitchFamily="49" charset="0"/>
               </a:rPr>
               <a:t>git</a:t>
             </a:r>
             <a:r>
               <a:rPr lang="en-US" dirty="0">
-                <a:latin typeface="+mn-lt"/>
+                <a:latin typeface="Consolas" panose="020B0609020204030204" pitchFamily="49" charset="0"/>
               </a:rPr>
               <a:t> add</a:t>
             </a:r>
@@ -16557,7 +16551,19 @@
               <a:rPr lang="en-US" dirty="0">
                 <a:latin typeface="+mn-lt"/>
               </a:rPr>
-              <a:t> el archive </a:t>
+              <a:t> el </a:t>
+            </a:r>
+            <a:r>
+              <a:rPr lang="en-US" dirty="0" err="1" smtClean="0">
+                <a:latin typeface="+mn-lt"/>
+              </a:rPr>
+              <a:t>archivo</a:t>
+            </a:r>
+            <a:r>
+              <a:rPr lang="en-US" dirty="0" smtClean="0">
+                <a:latin typeface="+mn-lt"/>
+              </a:rPr>
+              <a:t> </a:t>
             </a:r>
             <a:r>
               <a:rPr lang="en-US" dirty="0" err="1">
@@ -16750,7 +16756,7 @@
         </p:nvSpPr>
         <p:spPr>
           <a:xfrm>
-            <a:off x="4878123" y="2910681"/>
+            <a:off x="4812809" y="2052918"/>
             <a:ext cx="6856678" cy="3693319"/>
           </a:xfrm>
           <a:prstGeom prst="rect">
@@ -17123,7 +17129,19 @@
               <a:rPr lang="es-ES" dirty="0">
                 <a:latin typeface="+mn-lt"/>
               </a:rPr>
-              <a:t>Para ver lo que se ha modificado pero aún no se ha preparado, es decir, comparar lo que hay en el directorio de trabajo con lo que hay en el área de preparación.</a:t>
+              <a:t>Para ver lo que se ha modificado pero aún no se ha preparado, es decir, comparar lo que hay en el directorio de trabajo con lo que hay en el área de </a:t>
+            </a:r>
+            <a:r>
+              <a:rPr lang="es-ES" smtClean="0">
+                <a:latin typeface="+mn-lt"/>
+              </a:rPr>
+              <a:t>preparacion</a:t>
+            </a:r>
+            <a:r>
+              <a:rPr lang="es-ES" dirty="0">
+                <a:latin typeface="+mn-lt"/>
+              </a:rPr>
+              <a:t>.</a:t>
             </a:r>
           </a:p>
           <a:p>
